--- a/G2M insight for Cab Investment firm.pptx
+++ b/G2M insight for Cab Investment firm.pptx
@@ -2459,7 +2459,7 @@
           <a:p>
             <a:fld id="{A6366E3F-7025-4FC3-8F82-44B31406DC02}" type="datetimeFigureOut">
               <a:rPr lang="en-KE" smtClean="0"/>
-              <a:t>08/05/2024</a:t>
+              <a:t>14/05/2024</a:t>
             </a:fld>
             <a:endParaRPr lang="en-KE"/>
           </a:p>
@@ -2659,7 +2659,7 @@
           <a:p>
             <a:fld id="{A6366E3F-7025-4FC3-8F82-44B31406DC02}" type="datetimeFigureOut">
               <a:rPr lang="en-KE" smtClean="0"/>
-              <a:t>08/05/2024</a:t>
+              <a:t>14/05/2024</a:t>
             </a:fld>
             <a:endParaRPr lang="en-KE"/>
           </a:p>
@@ -2869,7 +2869,7 @@
           <a:p>
             <a:fld id="{A6366E3F-7025-4FC3-8F82-44B31406DC02}" type="datetimeFigureOut">
               <a:rPr lang="en-KE" smtClean="0"/>
-              <a:t>08/05/2024</a:t>
+              <a:t>14/05/2024</a:t>
             </a:fld>
             <a:endParaRPr lang="en-KE"/>
           </a:p>
@@ -3069,7 +3069,7 @@
           <a:p>
             <a:fld id="{A6366E3F-7025-4FC3-8F82-44B31406DC02}" type="datetimeFigureOut">
               <a:rPr lang="en-KE" smtClean="0"/>
-              <a:t>08/05/2024</a:t>
+              <a:t>14/05/2024</a:t>
             </a:fld>
             <a:endParaRPr lang="en-KE"/>
           </a:p>
@@ -3345,7 +3345,7 @@
           <a:p>
             <a:fld id="{A6366E3F-7025-4FC3-8F82-44B31406DC02}" type="datetimeFigureOut">
               <a:rPr lang="en-KE" smtClean="0"/>
-              <a:t>08/05/2024</a:t>
+              <a:t>14/05/2024</a:t>
             </a:fld>
             <a:endParaRPr lang="en-KE"/>
           </a:p>
@@ -3613,7 +3613,7 @@
           <a:p>
             <a:fld id="{A6366E3F-7025-4FC3-8F82-44B31406DC02}" type="datetimeFigureOut">
               <a:rPr lang="en-KE" smtClean="0"/>
-              <a:t>08/05/2024</a:t>
+              <a:t>14/05/2024</a:t>
             </a:fld>
             <a:endParaRPr lang="en-KE"/>
           </a:p>
@@ -4028,7 +4028,7 @@
           <a:p>
             <a:fld id="{A6366E3F-7025-4FC3-8F82-44B31406DC02}" type="datetimeFigureOut">
               <a:rPr lang="en-KE" smtClean="0"/>
-              <a:t>08/05/2024</a:t>
+              <a:t>14/05/2024</a:t>
             </a:fld>
             <a:endParaRPr lang="en-KE"/>
           </a:p>
@@ -4170,7 +4170,7 @@
           <a:p>
             <a:fld id="{A6366E3F-7025-4FC3-8F82-44B31406DC02}" type="datetimeFigureOut">
               <a:rPr lang="en-KE" smtClean="0"/>
-              <a:t>08/05/2024</a:t>
+              <a:t>14/05/2024</a:t>
             </a:fld>
             <a:endParaRPr lang="en-KE"/>
           </a:p>
@@ -4283,7 +4283,7 @@
           <a:p>
             <a:fld id="{A6366E3F-7025-4FC3-8F82-44B31406DC02}" type="datetimeFigureOut">
               <a:rPr lang="en-KE" smtClean="0"/>
-              <a:t>08/05/2024</a:t>
+              <a:t>14/05/2024</a:t>
             </a:fld>
             <a:endParaRPr lang="en-KE"/>
           </a:p>
@@ -4596,7 +4596,7 @@
           <a:p>
             <a:fld id="{A6366E3F-7025-4FC3-8F82-44B31406DC02}" type="datetimeFigureOut">
               <a:rPr lang="en-KE" smtClean="0"/>
-              <a:t>08/05/2024</a:t>
+              <a:t>14/05/2024</a:t>
             </a:fld>
             <a:endParaRPr lang="en-KE"/>
           </a:p>
@@ -4885,7 +4885,7 @@
           <a:p>
             <a:fld id="{A6366E3F-7025-4FC3-8F82-44B31406DC02}" type="datetimeFigureOut">
               <a:rPr lang="en-KE" smtClean="0"/>
-              <a:t>08/05/2024</a:t>
+              <a:t>14/05/2024</a:t>
             </a:fld>
             <a:endParaRPr lang="en-KE"/>
           </a:p>
@@ -5128,7 +5128,7 @@
           <a:p>
             <a:fld id="{A6366E3F-7025-4FC3-8F82-44B31406DC02}" type="datetimeFigureOut">
               <a:rPr lang="en-KE" smtClean="0"/>
-              <a:t>08/05/2024</a:t>
+              <a:t>14/05/2024</a:t>
             </a:fld>
             <a:endParaRPr lang="en-KE"/>
           </a:p>
@@ -12841,7 +12841,7 @@
           <p:nvPr>
             <p:extLst>
               <p:ext uri="{D42A27DB-BD31-4B8C-83A1-F6EECF244321}">
-                <p14:modId xmlns:p14="http://schemas.microsoft.com/office/powerpoint/2010/main" val="2224071474"/>
+                <p14:modId xmlns:p14="http://schemas.microsoft.com/office/powerpoint/2010/main" val="432856487"/>
               </p:ext>
             </p:extLst>
           </p:nvPr>
@@ -12918,7 +12918,15 @@
                     <a:bodyPr/>
                     <a:lstStyle/>
                     <a:p>
-                      <a:endParaRPr lang="en-KE" sz="3900" b="1" cap="none" spc="0">
+                      <a:r>
+                        <a:rPr lang="en-US" sz="3900" b="1" cap="none" spc="0" dirty="0">
+                          <a:solidFill>
+                            <a:schemeClr val="bg1"/>
+                          </a:solidFill>
+                        </a:rPr>
+                        <a:t>2040</a:t>
+                      </a:r>
+                      <a:endParaRPr lang="en-KE" sz="3900" b="1" cap="none" spc="0" dirty="0">
                         <a:solidFill>
                           <a:schemeClr val="bg1"/>
                         </a:solidFill>
@@ -12957,14 +12965,14 @@
                     <a:lstStyle/>
                     <a:p>
                       <a:r>
-                        <a:rPr lang="en-US" sz="3300" cap="none" spc="0">
+                        <a:rPr lang="en-US" sz="3300" cap="none" spc="0" dirty="0">
                           <a:solidFill>
                             <a:schemeClr val="tx1"/>
                           </a:solidFill>
                         </a:rPr>
                         <a:t>Total number of features</a:t>
                       </a:r>
-                      <a:endParaRPr lang="en-KE" sz="3300" cap="none" spc="0">
+                      <a:endParaRPr lang="en-KE" sz="3300" cap="none" spc="0" dirty="0">
                         <a:solidFill>
                           <a:schemeClr val="tx1"/>
                         </a:solidFill>
@@ -12997,7 +13005,15 @@
                     <a:bodyPr/>
                     <a:lstStyle/>
                     <a:p>
-                      <a:endParaRPr lang="en-KE" sz="3300" cap="none" spc="0">
+                      <a:r>
+                        <a:rPr lang="en-US" sz="3300" cap="none" spc="0" dirty="0">
+                          <a:solidFill>
+                            <a:schemeClr val="tx1"/>
+                          </a:solidFill>
+                        </a:rPr>
+                        <a:t>4</a:t>
+                      </a:r>
+                      <a:endParaRPr lang="en-KE" sz="3300" cap="none" spc="0" dirty="0">
                         <a:solidFill>
                           <a:schemeClr val="tx1"/>
                         </a:solidFill>
@@ -13038,14 +13054,14 @@
                     <a:lstStyle/>
                     <a:p>
                       <a:r>
-                        <a:rPr lang="en-US" sz="3300" cap="none" spc="0">
+                        <a:rPr lang="en-US" sz="3300" cap="none" spc="0" dirty="0">
                           <a:solidFill>
                             <a:schemeClr val="tx1"/>
                           </a:solidFill>
                         </a:rPr>
                         <a:t>Base format of the file</a:t>
                       </a:r>
-                      <a:endParaRPr lang="en-KE" sz="3300" cap="none" spc="0">
+                      <a:endParaRPr lang="en-KE" sz="3300" cap="none" spc="0" dirty="0">
                         <a:solidFill>
                           <a:schemeClr val="tx1"/>
                         </a:solidFill>
@@ -13083,7 +13099,15 @@
                     <a:bodyPr/>
                     <a:lstStyle/>
                     <a:p>
-                      <a:endParaRPr lang="en-KE" sz="3300" cap="none" spc="0">
+                      <a:r>
+                        <a:rPr lang="en-US" sz="3300" cap="none" spc="0" dirty="0">
+                          <a:solidFill>
+                            <a:schemeClr val="tx1"/>
+                          </a:solidFill>
+                        </a:rPr>
+                        <a:t>.csv</a:t>
+                      </a:r>
+                      <a:endParaRPr lang="en-KE" sz="3300" cap="none" spc="0" dirty="0">
                         <a:solidFill>
                           <a:schemeClr val="tx1"/>
                         </a:solidFill>
@@ -13168,7 +13192,15 @@
                     <a:bodyPr/>
                     <a:lstStyle/>
                     <a:p>
-                      <a:endParaRPr lang="en-KE" sz="3300" cap="none" spc="0">
+                      <a:r>
+                        <a:rPr lang="en-US" sz="3300" cap="none" spc="0">
+                          <a:solidFill>
+                            <a:schemeClr val="tx1"/>
+                          </a:solidFill>
+                        </a:rPr>
+                        <a:t>1200KB</a:t>
+                      </a:r>
+                      <a:endParaRPr lang="en-KE" sz="3300" cap="none" spc="0" dirty="0">
                         <a:solidFill>
                           <a:schemeClr val="tx1"/>
                         </a:solidFill>

--- a/G2M insight for Cab Investment firm.pptx
+++ b/G2M insight for Cab Investment firm.pptx
@@ -8113,10 +8113,10 @@
       </p:sp>
       <p:pic>
         <p:nvPicPr>
-          <p:cNvPr id="7" name="Content Placeholder 6" descr="A graph of different colored squares&#10;&#10;Description automatically generated">
-            <a:extLst>
-              <a:ext uri="{FF2B5EF4-FFF2-40B4-BE49-F238E27FC236}">
-                <a16:creationId xmlns:a16="http://schemas.microsoft.com/office/drawing/2014/main" id="{95B6F858-2B6E-0886-0FD6-DACDC9C6692E}"/>
+          <p:cNvPr id="4" name="Picture 3" descr="A graph of different colored squares&#10;&#10;Description automatically generated">
+            <a:extLst>
+              <a:ext uri="{FF2B5EF4-FFF2-40B4-BE49-F238E27FC236}">
+                <a16:creationId xmlns:a16="http://schemas.microsoft.com/office/drawing/2014/main" id="{4319AAD2-7244-C362-1060-2E68DBF7CBBF}"/>
               </a:ext>
             </a:extLst>
           </p:cNvPr>
@@ -8125,7 +8125,7 @@
           </p:cNvPicPr>
           <p:nvPr/>
         </p:nvPicPr>
-        <p:blipFill rotWithShape="1">
+        <p:blipFill>
           <a:blip r:embed="rId2">
             <a:extLst>
               <a:ext uri="{28A0092B-C50C-407E-A947-70E740481C1C}">
@@ -8133,13 +8133,14 @@
               </a:ext>
             </a:extLst>
           </a:blip>
-          <a:srcRect l="10078" r="3161" b="1"/>
-          <a:stretch/>
+          <a:stretch>
+            <a:fillRect/>
+          </a:stretch>
         </p:blipFill>
         <p:spPr>
           <a:xfrm>
-            <a:off x="6058921" y="787114"/>
-            <a:ext cx="5299768" cy="5283771"/>
+            <a:off x="6096000" y="556202"/>
+            <a:ext cx="5468123" cy="4736601"/>
           </a:xfrm>
           <a:prstGeom prst="rect">
             <a:avLst/>
@@ -8603,10 +8604,10 @@
       </p:sp>
       <p:pic>
         <p:nvPicPr>
-          <p:cNvPr id="6" name="Content Placeholder 5" descr="A graph of different cities&#10;&#10;Description automatically generated">
-            <a:extLst>
-              <a:ext uri="{FF2B5EF4-FFF2-40B4-BE49-F238E27FC236}">
-                <a16:creationId xmlns:a16="http://schemas.microsoft.com/office/drawing/2014/main" id="{B7338179-EF71-71C7-7A23-A82B8E861DDF}"/>
+          <p:cNvPr id="8" name="Content Placeholder 7" descr="A graph of different cities&#10;&#10;Description automatically generated">
+            <a:extLst>
+              <a:ext uri="{FF2B5EF4-FFF2-40B4-BE49-F238E27FC236}">
+                <a16:creationId xmlns:a16="http://schemas.microsoft.com/office/drawing/2014/main" id="{655E280E-FBBD-58D7-135E-216252D90A09}"/>
               </a:ext>
             </a:extLst>
           </p:cNvPr>
@@ -8617,7 +8618,7 @@
             <p:ph idx="1"/>
           </p:nvPr>
         </p:nvPicPr>
-        <p:blipFill rotWithShape="1">
+        <p:blipFill>
           <a:blip r:embed="rId2">
             <a:extLst>
               <a:ext uri="{28A0092B-C50C-407E-A947-70E740481C1C}">
@@ -8625,17 +8626,15 @@
               </a:ext>
             </a:extLst>
           </a:blip>
-          <a:srcRect t="8962" r="-1" b="18203"/>
-          <a:stretch/>
+          <a:stretch>
+            <a:fillRect/>
+          </a:stretch>
         </p:blipFill>
         <p:spPr>
           <a:xfrm>
-            <a:off x="4654296" y="1385651"/>
-            <a:ext cx="7214616" cy="4059266"/>
+            <a:off x="5183188" y="1038559"/>
+            <a:ext cx="6172200" cy="4771356"/>
           </a:xfrm>
-          <a:prstGeom prst="rect">
-            <a:avLst/>
-          </a:prstGeom>
         </p:spPr>
       </p:pic>
     </p:spTree>
@@ -13193,7 +13192,7 @@
                     <a:lstStyle/>
                     <a:p>
                       <a:r>
-                        <a:rPr lang="en-US" sz="3300" cap="none" spc="0">
+                        <a:rPr lang="en-US" sz="3300" cap="none" spc="0" dirty="0">
                           <a:solidFill>
                             <a:schemeClr val="tx1"/>
                           </a:solidFill>
@@ -13293,8 +13292,8 @@
         </p:nvSpPr>
         <p:spPr>
           <a:xfrm>
-            <a:off x="8079978" y="741391"/>
-            <a:ext cx="3369234" cy="1616203"/>
+            <a:off x="876693" y="622858"/>
+            <a:ext cx="3549649" cy="1616203"/>
           </a:xfrm>
         </p:spPr>
         <p:txBody>
@@ -13314,274 +13313,6 @@
           </a:p>
         </p:txBody>
       </p:sp>
-      <p:pic>
-        <p:nvPicPr>
-          <p:cNvPr id="6" name="Content Placeholder 5" descr="A graph of age distribution&#10;&#10;Description automatically generated">
-            <a:extLst>
-              <a:ext uri="{FF2B5EF4-FFF2-40B4-BE49-F238E27FC236}">
-                <a16:creationId xmlns:a16="http://schemas.microsoft.com/office/drawing/2014/main" id="{E2F6C1B7-9F37-F841-E9BA-88D7B1F44245}"/>
-              </a:ext>
-            </a:extLst>
-          </p:cNvPr>
-          <p:cNvPicPr>
-            <a:picLocks noGrp="1" noChangeAspect="1"/>
-          </p:cNvPicPr>
-          <p:nvPr>
-            <p:ph idx="1"/>
-          </p:nvPr>
-        </p:nvPicPr>
-        <p:blipFill rotWithShape="1">
-          <a:blip r:embed="rId2">
-            <a:extLst>
-              <a:ext uri="{28A0092B-C50C-407E-A947-70E740481C1C}">
-                <a14:useLocalDpi xmlns:a14="http://schemas.microsoft.com/office/drawing/2010/main" val="0"/>
-              </a:ext>
-            </a:extLst>
-          </a:blip>
-          <a:srcRect l="9859" r="9857" b="-2"/>
-          <a:stretch/>
-        </p:blipFill>
-        <p:spPr>
-          <a:xfrm>
-            <a:off x="20" y="10"/>
-            <a:ext cx="7390243" cy="6857990"/>
-          </a:xfrm>
-          <a:prstGeom prst="rect">
-            <a:avLst/>
-          </a:prstGeom>
-        </p:spPr>
-      </p:pic>
-      <p:sp>
-        <p:nvSpPr>
-          <p:cNvPr id="21" name="Rectangle 20">
-            <a:extLst>
-              <a:ext uri="{FF2B5EF4-FFF2-40B4-BE49-F238E27FC236}">
-                <a16:creationId xmlns:a16="http://schemas.microsoft.com/office/drawing/2014/main" id="{AE3A741D-C19B-960A-5803-1C5887147820}"/>
-              </a:ext>
-              <a:ext uri="{C183D7F6-B498-43B3-948B-1728B52AA6E4}">
-                <adec:decorative xmlns:adec="http://schemas.microsoft.com/office/drawing/2017/decorative" val="1"/>
-              </a:ext>
-            </a:extLst>
-          </p:cNvPr>
-          <p:cNvSpPr>
-            <a:spLocks noGrp="1" noRot="1" noChangeAspect="1" noMove="1" noResize="1" noEditPoints="1" noAdjustHandles="1" noChangeArrowheads="1" noChangeShapeType="1" noTextEdit="1"/>
-          </p:cNvSpPr>
-          <p:nvPr>
-            <p:extLst>
-              <p:ext uri="{386F3935-93C4-4BCD-93E2-E3B085C9AB24}">
-                <p16:designElem xmlns:p16="http://schemas.microsoft.com/office/powerpoint/2015/main" val="1"/>
-              </p:ext>
-            </p:extLst>
-          </p:nvPr>
-        </p:nvSpPr>
-        <p:spPr>
-          <a:xfrm rot="5400000">
-            <a:off x="2879677" y="2347416"/>
-            <a:ext cx="1630908" cy="7390262"/>
-          </a:xfrm>
-          <a:prstGeom prst="rect">
-            <a:avLst/>
-          </a:prstGeom>
-          <a:gradFill>
-            <a:gsLst>
-              <a:gs pos="0">
-                <a:schemeClr val="accent5"/>
-              </a:gs>
-              <a:gs pos="47000">
-                <a:schemeClr val="accent2">
-                  <a:alpha val="0"/>
-                </a:schemeClr>
-              </a:gs>
-            </a:gsLst>
-            <a:lin ang="11400000" scaled="0"/>
-          </a:gradFill>
-          <a:ln>
-            <a:noFill/>
-          </a:ln>
-        </p:spPr>
-        <p:style>
-          <a:lnRef idx="2">
-            <a:schemeClr val="accent1">
-              <a:shade val="50000"/>
-            </a:schemeClr>
-          </a:lnRef>
-          <a:fillRef idx="1">
-            <a:schemeClr val="accent1"/>
-          </a:fillRef>
-          <a:effectRef idx="0">
-            <a:schemeClr val="accent1"/>
-          </a:effectRef>
-          <a:fontRef idx="minor">
-            <a:schemeClr val="lt1"/>
-          </a:fontRef>
-        </p:style>
-        <p:txBody>
-          <a:bodyPr rtlCol="0" anchor="ctr"/>
-          <a:lstStyle/>
-          <a:p>
-            <a:pPr algn="ctr"/>
-            <a:endParaRPr lang="en-US"/>
-          </a:p>
-        </p:txBody>
-      </p:sp>
-      <p:sp>
-        <p:nvSpPr>
-          <p:cNvPr id="23" name="Rectangle 22">
-            <a:extLst>
-              <a:ext uri="{FF2B5EF4-FFF2-40B4-BE49-F238E27FC236}">
-                <a16:creationId xmlns:a16="http://schemas.microsoft.com/office/drawing/2014/main" id="{DC39DE25-0E4E-0AA7-0932-1D78C2372786}"/>
-              </a:ext>
-              <a:ext uri="{C183D7F6-B498-43B3-948B-1728B52AA6E4}">
-                <adec:decorative xmlns:adec="http://schemas.microsoft.com/office/drawing/2017/decorative" val="1"/>
-              </a:ext>
-            </a:extLst>
-          </p:cNvPr>
-          <p:cNvSpPr>
-            <a:spLocks noGrp="1" noRot="1" noChangeAspect="1" noMove="1" noResize="1" noEditPoints="1" noAdjustHandles="1" noChangeArrowheads="1" noChangeShapeType="1" noTextEdit="1"/>
-          </p:cNvSpPr>
-          <p:nvPr>
-            <p:extLst>
-              <p:ext uri="{386F3935-93C4-4BCD-93E2-E3B085C9AB24}">
-                <p16:designElem xmlns:p16="http://schemas.microsoft.com/office/powerpoint/2015/main" val="1"/>
-              </p:ext>
-            </p:extLst>
-          </p:nvPr>
-        </p:nvSpPr>
-        <p:spPr>
-          <a:xfrm rot="5400000" flipH="1" flipV="1">
-            <a:off x="-1919061" y="1919060"/>
-            <a:ext cx="6854280" cy="3016159"/>
-          </a:xfrm>
-          <a:prstGeom prst="rect">
-            <a:avLst/>
-          </a:prstGeom>
-          <a:gradFill flip="none" rotWithShape="1">
-            <a:gsLst>
-              <a:gs pos="0">
-                <a:schemeClr val="accent5"/>
-              </a:gs>
-              <a:gs pos="47000">
-                <a:schemeClr val="accent2">
-                  <a:alpha val="0"/>
-                </a:schemeClr>
-              </a:gs>
-            </a:gsLst>
-            <a:lin ang="4200000" scaled="0"/>
-            <a:tileRect/>
-          </a:gradFill>
-          <a:ln w="12700" cap="flat" cmpd="sng" algn="ctr">
-            <a:noFill/>
-            <a:prstDash val="solid"/>
-            <a:miter lim="800000"/>
-          </a:ln>
-          <a:effectLst/>
-        </p:spPr>
-        <p:style>
-          <a:lnRef idx="2">
-            <a:schemeClr val="accent1">
-              <a:shade val="50000"/>
-            </a:schemeClr>
-          </a:lnRef>
-          <a:fillRef idx="1">
-            <a:schemeClr val="accent1"/>
-          </a:fillRef>
-          <a:effectRef idx="0">
-            <a:schemeClr val="accent1"/>
-          </a:effectRef>
-          <a:fontRef idx="minor">
-            <a:schemeClr val="lt1"/>
-          </a:fontRef>
-        </p:style>
-        <p:txBody>
-          <a:bodyPr rtlCol="0" anchor="ctr"/>
-          <a:lstStyle/>
-          <a:p>
-            <a:pPr algn="r"/>
-            <a:endParaRPr lang="en-US"/>
-          </a:p>
-        </p:txBody>
-      </p:sp>
-      <p:sp>
-        <p:nvSpPr>
-          <p:cNvPr id="25" name="Rectangle 24">
-            <a:extLst>
-              <a:ext uri="{FF2B5EF4-FFF2-40B4-BE49-F238E27FC236}">
-                <a16:creationId xmlns:a16="http://schemas.microsoft.com/office/drawing/2014/main" id="{8D6EA299-0840-6DEA-E670-C49AEBC87E89}"/>
-              </a:ext>
-              <a:ext uri="{C183D7F6-B498-43B3-948B-1728B52AA6E4}">
-                <adec:decorative xmlns:adec="http://schemas.microsoft.com/office/drawing/2017/decorative" val="1"/>
-              </a:ext>
-            </a:extLst>
-          </p:cNvPr>
-          <p:cNvSpPr>
-            <a:spLocks noGrp="1" noRot="1" noChangeAspect="1" noMove="1" noResize="1" noEditPoints="1" noAdjustHandles="1" noChangeArrowheads="1" noChangeShapeType="1" noTextEdit="1"/>
-          </p:cNvSpPr>
-          <p:nvPr>
-            <p:extLst>
-              <p:ext uri="{386F3935-93C4-4BCD-93E2-E3B085C9AB24}">
-                <p16:designElem xmlns:p16="http://schemas.microsoft.com/office/powerpoint/2015/main" val="1"/>
-              </p:ext>
-            </p:extLst>
-          </p:nvPr>
-        </p:nvSpPr>
-        <p:spPr>
-          <a:xfrm rot="10800000">
-            <a:off x="4461657" y="4425055"/>
-            <a:ext cx="2928605" cy="2432945"/>
-          </a:xfrm>
-          <a:prstGeom prst="rect">
-            <a:avLst/>
-          </a:prstGeom>
-          <a:gradFill flip="none" rotWithShape="1">
-            <a:gsLst>
-              <a:gs pos="0">
-                <a:schemeClr val="accent2"/>
-              </a:gs>
-              <a:gs pos="51000">
-                <a:schemeClr val="accent5">
-                  <a:lumMod val="60000"/>
-                  <a:lumOff val="40000"/>
-                  <a:alpha val="0"/>
-                </a:schemeClr>
-              </a:gs>
-            </a:gsLst>
-            <a:path path="circle">
-              <a:fillToRect r="100000" b="100000"/>
-            </a:path>
-            <a:tileRect l="-100000" t="-100000"/>
-          </a:gradFill>
-          <a:ln w="12700" cap="flat" cmpd="sng" algn="ctr">
-            <a:noFill/>
-            <a:prstDash val="solid"/>
-            <a:miter lim="800000"/>
-          </a:ln>
-          <a:effectLst/>
-        </p:spPr>
-        <p:style>
-          <a:lnRef idx="2">
-            <a:schemeClr val="accent1">
-              <a:shade val="50000"/>
-            </a:schemeClr>
-          </a:lnRef>
-          <a:fillRef idx="1">
-            <a:schemeClr val="accent1"/>
-          </a:fillRef>
-          <a:effectRef idx="0">
-            <a:schemeClr val="accent1"/>
-          </a:effectRef>
-          <a:fontRef idx="minor">
-            <a:schemeClr val="lt1"/>
-          </a:fontRef>
-        </p:style>
-        <p:txBody>
-          <a:bodyPr rtlCol="0" anchor="ctr"/>
-          <a:lstStyle/>
-          <a:p>
-            <a:pPr algn="r"/>
-            <a:endParaRPr lang="en-US"/>
-          </a:p>
-        </p:txBody>
-      </p:sp>
       <p:sp>
         <p:nvSpPr>
           <p:cNvPr id="4" name="Text Placeholder 3">
@@ -13600,8 +13331,8 @@
         </p:nvSpPr>
         <p:spPr>
           <a:xfrm>
-            <a:off x="8079978" y="2533476"/>
-            <a:ext cx="3369234" cy="3447832"/>
+            <a:off x="876693" y="2533476"/>
+            <a:ext cx="3346964" cy="3447832"/>
           </a:xfrm>
         </p:spPr>
         <p:txBody>
@@ -13631,6 +13362,218 @@
           </a:p>
         </p:txBody>
       </p:sp>
+      <p:pic>
+        <p:nvPicPr>
+          <p:cNvPr id="6" name="Content Placeholder 5" descr="A graph of age distribution&#10;&#10;Description automatically generated">
+            <a:extLst>
+              <a:ext uri="{FF2B5EF4-FFF2-40B4-BE49-F238E27FC236}">
+                <a16:creationId xmlns:a16="http://schemas.microsoft.com/office/drawing/2014/main" id="{E2F6C1B7-9F37-F841-E9BA-88D7B1F44245}"/>
+              </a:ext>
+            </a:extLst>
+          </p:cNvPr>
+          <p:cNvPicPr>
+            <a:picLocks noGrp="1" noChangeAspect="1"/>
+          </p:cNvPicPr>
+          <p:nvPr>
+            <p:ph idx="1"/>
+          </p:nvPr>
+        </p:nvPicPr>
+        <p:blipFill rotWithShape="1">
+          <a:blip r:embed="rId2">
+            <a:extLst>
+              <a:ext uri="{28A0092B-C50C-407E-A947-70E740481C1C}">
+                <a14:useLocalDpi xmlns:a14="http://schemas.microsoft.com/office/drawing/2010/main" val="0"/>
+              </a:ext>
+            </a:extLst>
+          </a:blip>
+          <a:srcRect r="8074" b="-1"/>
+          <a:stretch/>
+        </p:blipFill>
+        <p:spPr>
+          <a:xfrm>
+            <a:off x="5089243" y="877413"/>
+            <a:ext cx="6222628" cy="5043096"/>
+          </a:xfrm>
+          <a:prstGeom prst="rect">
+            <a:avLst/>
+          </a:prstGeom>
+        </p:spPr>
+      </p:pic>
+      <p:grpSp>
+        <p:nvGrpSpPr>
+          <p:cNvPr id="30" name="Group 29">
+            <a:extLst>
+              <a:ext uri="{FF2B5EF4-FFF2-40B4-BE49-F238E27FC236}">
+                <a16:creationId xmlns:a16="http://schemas.microsoft.com/office/drawing/2014/main" id="{3AFCAD34-1AFC-BC1A-F6B2-C34C63912EAB}"/>
+              </a:ext>
+              <a:ext uri="{C183D7F6-B498-43B3-948B-1728B52AA6E4}">
+                <adec:decorative xmlns:adec="http://schemas.microsoft.com/office/drawing/2017/decorative" val="1"/>
+              </a:ext>
+            </a:extLst>
+          </p:cNvPr>
+          <p:cNvGrpSpPr>
+            <a:grpSpLocks noGrp="1" noUngrp="1" noRot="1" noChangeAspect="1" noMove="1" noResize="1"/>
+          </p:cNvGrpSpPr>
+          <p:nvPr>
+            <p:extLst>
+              <p:ext uri="{386F3935-93C4-4BCD-93E2-E3B085C9AB24}">
+                <p16:designElem xmlns:p16="http://schemas.microsoft.com/office/powerpoint/2015/main" val="1"/>
+              </p:ext>
+            </p:extLst>
+          </p:nvPr>
+        </p:nvGrpSpPr>
+        <p:grpSpPr>
+          <a:xfrm>
+            <a:off x="5089243" y="5858828"/>
+            <a:ext cx="6226463" cy="123363"/>
+            <a:chOff x="7015162" y="5858828"/>
+            <a:chExt cx="4300544" cy="123363"/>
+          </a:xfrm>
+        </p:grpSpPr>
+        <p:sp>
+          <p:nvSpPr>
+            <p:cNvPr id="31" name="Rectangle 30">
+              <a:extLst>
+                <a:ext uri="{FF2B5EF4-FFF2-40B4-BE49-F238E27FC236}">
+                  <a16:creationId xmlns:a16="http://schemas.microsoft.com/office/drawing/2014/main" id="{1129F4A2-3705-CF87-3DDA-AF9CE9389B97}"/>
+                </a:ext>
+                <a:ext uri="{C183D7F6-B498-43B3-948B-1728B52AA6E4}">
+                  <adec:decorative xmlns:adec="http://schemas.microsoft.com/office/drawing/2017/decorative" val="1"/>
+                </a:ext>
+              </a:extLst>
+            </p:cNvPr>
+            <p:cNvSpPr/>
+            <p:nvPr>
+              <p:extLst>
+                <p:ext uri="{386F3935-93C4-4BCD-93E2-E3B085C9AB24}">
+                  <p16:designElem xmlns:p16="http://schemas.microsoft.com/office/powerpoint/2015/main" val="1"/>
+                </p:ext>
+              </p:extLst>
+            </p:nvPr>
+          </p:nvSpPr>
+          <p:spPr>
+            <a:xfrm rot="16200000">
+              <a:off x="9103753" y="3770237"/>
+              <a:ext cx="123362" cy="4300544"/>
+            </a:xfrm>
+            <a:prstGeom prst="rect">
+              <a:avLst/>
+            </a:prstGeom>
+            <a:gradFill>
+              <a:gsLst>
+                <a:gs pos="0">
+                  <a:schemeClr val="accent2"/>
+                </a:gs>
+                <a:gs pos="100000">
+                  <a:schemeClr val="accent5"/>
+                </a:gs>
+              </a:gsLst>
+              <a:lin ang="1800000" scaled="0"/>
+            </a:gradFill>
+            <a:ln>
+              <a:noFill/>
+            </a:ln>
+          </p:spPr>
+          <p:style>
+            <a:lnRef idx="2">
+              <a:schemeClr val="accent1">
+                <a:shade val="50000"/>
+              </a:schemeClr>
+            </a:lnRef>
+            <a:fillRef idx="1">
+              <a:schemeClr val="accent1"/>
+            </a:fillRef>
+            <a:effectRef idx="0">
+              <a:schemeClr val="accent1"/>
+            </a:effectRef>
+            <a:fontRef idx="minor">
+              <a:schemeClr val="lt1"/>
+            </a:fontRef>
+          </p:style>
+          <p:txBody>
+            <a:bodyPr rtlCol="0" anchor="ctr"/>
+            <a:lstStyle/>
+            <a:p>
+              <a:pPr algn="ctr"/>
+              <a:endParaRPr lang="en-US"/>
+            </a:p>
+          </p:txBody>
+        </p:sp>
+        <p:sp>
+          <p:nvSpPr>
+            <p:cNvPr id="32" name="Rectangle 31">
+              <a:extLst>
+                <a:ext uri="{FF2B5EF4-FFF2-40B4-BE49-F238E27FC236}">
+                  <a16:creationId xmlns:a16="http://schemas.microsoft.com/office/drawing/2014/main" id="{891B1028-FC76-5583-3A1F-5815A7DCF9DB}"/>
+                </a:ext>
+                <a:ext uri="{C183D7F6-B498-43B3-948B-1728B52AA6E4}">
+                  <adec:decorative xmlns:adec="http://schemas.microsoft.com/office/drawing/2017/decorative" val="1"/>
+                </a:ext>
+              </a:extLst>
+            </p:cNvPr>
+            <p:cNvSpPr/>
+            <p:nvPr>
+              <p:extLst>
+                <p:ext uri="{386F3935-93C4-4BCD-93E2-E3B085C9AB24}">
+                  <p16:designElem xmlns:p16="http://schemas.microsoft.com/office/powerpoint/2015/main" val="1"/>
+                </p:ext>
+              </p:extLst>
+            </p:nvPr>
+          </p:nvSpPr>
+          <p:spPr>
+            <a:xfrm rot="16200000">
+              <a:off x="10209789" y="4876274"/>
+              <a:ext cx="123362" cy="2088471"/>
+            </a:xfrm>
+            <a:prstGeom prst="rect">
+              <a:avLst/>
+            </a:prstGeom>
+            <a:gradFill>
+              <a:gsLst>
+                <a:gs pos="19000">
+                  <a:schemeClr val="accent5">
+                    <a:alpha val="0"/>
+                  </a:schemeClr>
+                </a:gs>
+                <a:gs pos="100000">
+                  <a:schemeClr val="accent5">
+                    <a:lumMod val="60000"/>
+                    <a:lumOff val="40000"/>
+                  </a:schemeClr>
+                </a:gs>
+              </a:gsLst>
+              <a:lin ang="600000" scaled="0"/>
+            </a:gradFill>
+            <a:ln>
+              <a:noFill/>
+            </a:ln>
+          </p:spPr>
+          <p:style>
+            <a:lnRef idx="2">
+              <a:schemeClr val="accent1">
+                <a:shade val="50000"/>
+              </a:schemeClr>
+            </a:lnRef>
+            <a:fillRef idx="1">
+              <a:schemeClr val="accent1"/>
+            </a:fillRef>
+            <a:effectRef idx="0">
+              <a:schemeClr val="accent1"/>
+            </a:effectRef>
+            <a:fontRef idx="minor">
+              <a:schemeClr val="lt1"/>
+            </a:fontRef>
+          </p:style>
+          <p:txBody>
+            <a:bodyPr rtlCol="0" anchor="ctr"/>
+            <a:lstStyle/>
+            <a:p>
+              <a:pPr algn="ctr"/>
+              <a:endParaRPr lang="en-US"/>
+            </a:p>
+          </p:txBody>
+        </p:sp>
+      </p:grpSp>
     </p:spTree>
     <p:extLst>
       <p:ext uri="{BB962C8B-B14F-4D97-AF65-F5344CB8AC3E}">

--- a/G2M insight for Cab Investment firm.pptx
+++ b/G2M insight for Cab Investment firm.pptx
@@ -9371,7 +9371,7 @@
           <a:lstStyle/>
           <a:p>
             <a:r>
-              <a:rPr lang="en-US" sz="6700" kern="1200">
+              <a:rPr lang="en-US" sz="6700" kern="1200" dirty="0">
                 <a:solidFill>
                   <a:schemeClr val="tx1"/>
                 </a:solidFill>
@@ -9866,7 +9866,7 @@
           <a:p>
             <a:r>
               <a:rPr lang="en-US" sz="2200" dirty="0"/>
-              <a:t>It’s really stable but low for Yellow Cab.</a:t>
+              <a:t>It’s stable but low for Yellow Cab.</a:t>
             </a:r>
           </a:p>
           <a:p>
@@ -9994,14 +9994,12 @@
           <a:lstStyle/>
           <a:p>
             <a:r>
-              <a:rPr lang="en-US" dirty="0"/>
-              <a:t>Customers mostly prefer cashless transactions.</a:t>
+              <a:rPr lang="en-US"/>
+              <a:t>Lowering </a:t>
             </a:r>
-          </a:p>
-          <a:p>
             <a:r>
               <a:rPr lang="en-US" dirty="0"/>
-              <a:t>Lowering the price attracts more customers.</a:t>
+              <a:t>the price attracts more customers.</a:t>
             </a:r>
           </a:p>
           <a:p>
